--- a/FIA/KEY_KNOWNLEDGE.pptx
+++ b/FIA/KEY_KNOWNLEDGE.pptx
@@ -10,8 +10,9 @@
     <p:sldId id="258" r:id="rId4"/>
     <p:sldId id="259" r:id="rId5"/>
     <p:sldId id="260" r:id="rId6"/>
-    <p:sldId id="261" r:id="rId7"/>
-    <p:sldId id="262" r:id="rId8"/>
+    <p:sldId id="263" r:id="rId7"/>
+    <p:sldId id="261" r:id="rId8"/>
+    <p:sldId id="262" r:id="rId9"/>
   </p:sldIdLst>
   <p:sldSz cx="12192000" cy="6858000"/>
   <p:notesSz cx="6858000" cy="9144000"/>
@@ -3622,7 +3623,7 @@
         <p:spPr>
           <a:xfrm>
             <a:off x="6237171" y="2672994"/>
-            <a:ext cx="4303693" cy="3200876"/>
+            <a:ext cx="4303693" cy="3554819"/>
           </a:xfrm>
           <a:prstGeom prst="rect">
             <a:avLst/>
@@ -3742,6 +3743,26 @@
                 <a:cs typeface="Calibri" panose="020F0502020204030204" pitchFamily="34" charset="0"/>
               </a:rPr>
               <a:t>Motivazioni</a:t>
+            </a:r>
+          </a:p>
+          <a:p>
+            <a:pPr marL="342900" indent="-342900">
+              <a:spcAft>
+                <a:spcPts val="600"/>
+              </a:spcAft>
+              <a:buAutoNum type="arabicPeriod"/>
+            </a:pPr>
+            <a:r>
+              <a:rPr lang="it-IT" dirty="0">
+                <a:solidFill>
+                  <a:schemeClr val="tx1">
+                    <a:lumMod val="95000"/>
+                  </a:schemeClr>
+                </a:solidFill>
+                <a:latin typeface="Calibri" panose="020F0502020204030204" pitchFamily="34" charset="0"/>
+                <a:cs typeface="Calibri" panose="020F0502020204030204" pitchFamily="34" charset="0"/>
+              </a:rPr>
+              <a:t>Performance</a:t>
             </a:r>
           </a:p>
           <a:p>
@@ -4177,7 +4198,7 @@
         <p:spPr/>
         <p:txBody>
           <a:bodyPr>
-            <a:normAutofit lnSpcReduction="10000"/>
+            <a:normAutofit/>
           </a:bodyPr>
           <a:lstStyle/>
           <a:p>
@@ -4208,7 +4229,7 @@
                 <a:ea typeface="Calibri" panose="020F0502020204030204" pitchFamily="34" charset="0"/>
                 <a:cs typeface="Times New Roman" panose="02020603050405020304" pitchFamily="18" charset="0"/>
               </a:rPr>
-              <a:t>lgoritmo di ricerca online, in profondità, locale con backtracking.</a:t>
+              <a:t>lgoritmo di ricerca online, locale con backtracking.</a:t>
             </a:r>
             <a:endParaRPr lang="it-IT" sz="1800" dirty="0">
               <a:effectLst/>
@@ -4407,7 +4428,7 @@
                 <a:latin typeface="Calibri" panose="020F0502020204030204" pitchFamily="34" charset="0"/>
                 <a:cs typeface="Calibri" panose="020F0502020204030204" pitchFamily="34" charset="0"/>
               </a:rPr>
-              <a:t>Perché è in grado di analizzare la risposta dell’utente in tempo reale e per come è strutturato il nostro dataset, i livelli aumentano man mano che aumenta la profondità dell’albero e quindi è immediato pensare a una ricerca in profondità</a:t>
+              <a:t>Perché è in grado di analizzare la risposta dell’utente in tempo reale</a:t>
             </a:r>
           </a:p>
           <a:p>
@@ -4520,6 +4541,181 @@
 <file path=ppt/slides/slide6.xml><?xml version="1.0" encoding="utf-8"?>
 <p:sld xmlns:a="http://schemas.openxmlformats.org/drawingml/2006/main" xmlns:r="http://schemas.openxmlformats.org/officeDocument/2006/relationships" xmlns:p="http://schemas.openxmlformats.org/presentationml/2006/main">
   <p:cSld>
+    <p:spTree>
+      <p:nvGrpSpPr>
+        <p:cNvPr id="1" name=""/>
+        <p:cNvGrpSpPr/>
+        <p:nvPr/>
+      </p:nvGrpSpPr>
+      <p:grpSpPr>
+        <a:xfrm>
+          <a:off x="0" y="0"/>
+          <a:ext cx="0" cy="0"/>
+          <a:chOff x="0" y="0"/>
+          <a:chExt cx="0" cy="0"/>
+        </a:xfrm>
+      </p:grpSpPr>
+      <p:sp>
+        <p:nvSpPr>
+          <p:cNvPr id="3" name="Segnaposto contenuto 2">
+            <a:extLst>
+              <a:ext uri="{FF2B5EF4-FFF2-40B4-BE49-F238E27FC236}">
+                <a16:creationId xmlns:a16="http://schemas.microsoft.com/office/drawing/2014/main" id="{3C3FBFF6-71F5-4C7A-8AA4-F7F08206C308}"/>
+              </a:ext>
+            </a:extLst>
+          </p:cNvPr>
+          <p:cNvSpPr>
+            <a:spLocks noGrp="1"/>
+          </p:cNvSpPr>
+          <p:nvPr>
+            <p:ph idx="1"/>
+          </p:nvPr>
+        </p:nvSpPr>
+        <p:spPr>
+          <a:xfrm>
+            <a:off x="1261872" y="2250831"/>
+            <a:ext cx="8595360" cy="4351337"/>
+          </a:xfrm>
+        </p:spPr>
+        <p:txBody>
+          <a:bodyPr/>
+          <a:lstStyle/>
+          <a:p>
+            <a:r>
+              <a:rPr lang="it-IT" i="0" dirty="0">
+                <a:effectLst/>
+                <a:latin typeface="Calibri" panose="020F0502020204030204" pitchFamily="34" charset="0"/>
+                <a:cs typeface="Calibri" panose="020F0502020204030204" pitchFamily="34" charset="0"/>
+              </a:rPr>
+              <a:t>È completo perché termina sempre, in ogni caso e non esistono cicli: riesce sempre a trovare una soluzione.</a:t>
+            </a:r>
+          </a:p>
+          <a:p>
+            <a:r>
+              <a:rPr lang="it-IT" sz="1800" dirty="0">
+                <a:effectLst/>
+                <a:latin typeface="Calibri" panose="020F0502020204030204" pitchFamily="34" charset="0"/>
+                <a:ea typeface="Calibri" panose="020F0502020204030204" pitchFamily="34" charset="0"/>
+                <a:cs typeface="Times New Roman" panose="02020603050405020304" pitchFamily="18" charset="0"/>
+              </a:rPr>
+              <a:t>Non esiste una soluzione ottima globale dell’algoritmo, ma cerca sempre la soluzione migliore corrente</a:t>
+            </a:r>
+            <a:endParaRPr lang="it-IT" i="0" dirty="0">
+              <a:solidFill>
+                <a:srgbClr val="333333"/>
+              </a:solidFill>
+              <a:effectLst/>
+              <a:latin typeface="Josefin Sans"/>
+            </a:endParaRPr>
+          </a:p>
+          <a:p>
+            <a:r>
+              <a:rPr lang="it-IT" i="0" dirty="0">
+                <a:effectLst/>
+                <a:latin typeface="Calibri" panose="020F0502020204030204" pitchFamily="34" charset="0"/>
+                <a:cs typeface="Calibri" panose="020F0502020204030204" pitchFamily="34" charset="0"/>
+              </a:rPr>
+              <a:t>Inoltre, la complessità temporale è lineare</a:t>
+            </a:r>
+          </a:p>
+          <a:p>
+            <a:endParaRPr lang="it-IT" dirty="0">
+              <a:latin typeface="Calibri" panose="020F0502020204030204" pitchFamily="34" charset="0"/>
+              <a:cs typeface="Calibri" panose="020F0502020204030204" pitchFamily="34" charset="0"/>
+            </a:endParaRPr>
+          </a:p>
+        </p:txBody>
+      </p:sp>
+      <p:sp>
+        <p:nvSpPr>
+          <p:cNvPr id="4" name="Titolo 1">
+            <a:extLst>
+              <a:ext uri="{FF2B5EF4-FFF2-40B4-BE49-F238E27FC236}">
+                <a16:creationId xmlns:a16="http://schemas.microsoft.com/office/drawing/2014/main" id="{352D845E-6B6B-4C0F-BB9A-9953F435679E}"/>
+              </a:ext>
+            </a:extLst>
+          </p:cNvPr>
+          <p:cNvSpPr>
+            <a:spLocks noGrp="1"/>
+          </p:cNvSpPr>
+          <p:nvPr>
+            <p:ph type="title"/>
+          </p:nvPr>
+        </p:nvSpPr>
+        <p:spPr>
+          <a:xfrm>
+            <a:off x="1261872" y="677863"/>
+            <a:ext cx="6336792" cy="692516"/>
+          </a:xfrm>
+        </p:spPr>
+        <p:txBody>
+          <a:bodyPr>
+            <a:normAutofit/>
+          </a:bodyPr>
+          <a:lstStyle/>
+          <a:p>
+            <a:r>
+              <a:rPr lang="it-IT" sz="3600" dirty="0">
+                <a:latin typeface="Calibri" panose="020F0502020204030204" pitchFamily="34" charset="0"/>
+                <a:cs typeface="Calibri" panose="020F0502020204030204" pitchFamily="34" charset="0"/>
+              </a:rPr>
+              <a:t>5. Performance</a:t>
+            </a:r>
+          </a:p>
+        </p:txBody>
+      </p:sp>
+      <p:pic>
+        <p:nvPicPr>
+          <p:cNvPr id="6" name="Immagine 5" descr="Immagine che contiene testo, dispositivo, calibro&#10;&#10;Descrizione generata automaticamente">
+            <a:extLst>
+              <a:ext uri="{FF2B5EF4-FFF2-40B4-BE49-F238E27FC236}">
+                <a16:creationId xmlns:a16="http://schemas.microsoft.com/office/drawing/2014/main" id="{CF1A6F54-80C6-4F93-A58E-96A239BEE852}"/>
+              </a:ext>
+            </a:extLst>
+          </p:cNvPr>
+          <p:cNvPicPr>
+            <a:picLocks noChangeAspect="1"/>
+          </p:cNvPicPr>
+          <p:nvPr/>
+        </p:nvPicPr>
+        <p:blipFill>
+          <a:blip r:embed="rId2">
+            <a:extLst>
+              <a:ext uri="{28A0092B-C50C-407E-A947-70E740481C1C}">
+                <a14:useLocalDpi xmlns:a14="http://schemas.microsoft.com/office/drawing/2010/main" val="0"/>
+              </a:ext>
+            </a:extLst>
+          </a:blip>
+          <a:stretch>
+            <a:fillRect/>
+          </a:stretch>
+        </p:blipFill>
+        <p:spPr>
+          <a:xfrm>
+            <a:off x="6096000" y="3119065"/>
+            <a:ext cx="3987869" cy="3190295"/>
+          </a:xfrm>
+          <a:prstGeom prst="rect">
+            <a:avLst/>
+          </a:prstGeom>
+        </p:spPr>
+      </p:pic>
+    </p:spTree>
+    <p:extLst>
+      <p:ext uri="{BB962C8B-B14F-4D97-AF65-F5344CB8AC3E}">
+        <p14:creationId xmlns:p14="http://schemas.microsoft.com/office/powerpoint/2010/main" val="715671854"/>
+      </p:ext>
+    </p:extLst>
+  </p:cSld>
+  <p:clrMapOvr>
+    <a:masterClrMapping/>
+  </p:clrMapOvr>
+</p:sld>
+</file>
+
+<file path=ppt/slides/slide7.xml><?xml version="1.0" encoding="utf-8"?>
+<p:sld xmlns:a="http://schemas.openxmlformats.org/drawingml/2006/main" xmlns:r="http://schemas.openxmlformats.org/officeDocument/2006/relationships" xmlns:p="http://schemas.openxmlformats.org/presentationml/2006/main">
+  <p:cSld>
     <p:bg>
       <p:bgPr>
         <a:solidFill>
@@ -4575,7 +4771,7 @@
                 <a:latin typeface="Calibri" panose="020F0502020204030204" pitchFamily="34" charset="0"/>
                 <a:cs typeface="Calibri" panose="020F0502020204030204" pitchFamily="34" charset="0"/>
               </a:rPr>
-              <a:t>5</a:t>
+              <a:t>6</a:t>
             </a:r>
             <a:r>
               <a:rPr lang="it-IT" dirty="0">
@@ -4788,7 +4984,7 @@
 </p:sld>
 </file>
 
-<file path=ppt/slides/slide7.xml><?xml version="1.0" encoding="utf-8"?>
+<file path=ppt/slides/slide8.xml><?xml version="1.0" encoding="utf-8"?>
 <p:sld xmlns:a="http://schemas.openxmlformats.org/drawingml/2006/main" xmlns:r="http://schemas.openxmlformats.org/officeDocument/2006/relationships" xmlns:p="http://schemas.openxmlformats.org/presentationml/2006/main">
   <p:cSld>
     <p:bg>
@@ -4831,7 +5027,7 @@
         </p:nvSpPr>
         <p:spPr>
           <a:xfrm>
-            <a:off x="479210" y="734135"/>
+            <a:off x="760564" y="748203"/>
             <a:ext cx="3938045" cy="706582"/>
           </a:xfrm>
         </p:spPr>
@@ -4846,7 +5042,7 @@
                 <a:latin typeface="Calibri" panose="020F0502020204030204" pitchFamily="34" charset="0"/>
                 <a:cs typeface="Calibri" panose="020F0502020204030204" pitchFamily="34" charset="0"/>
               </a:rPr>
-              <a:t>6. Esempio di utilizzo</a:t>
+              <a:t>7. Esempio di utilizzo</a:t>
             </a:r>
           </a:p>
         </p:txBody>
@@ -4921,7 +5117,7 @@
         </p:spPr>
         <p:txBody>
           <a:bodyPr>
-            <a:normAutofit/>
+            <a:normAutofit lnSpcReduction="10000"/>
           </a:bodyPr>
           <a:lstStyle/>
           <a:p>
@@ -4930,20 +5126,73 @@
                 <a:latin typeface="Calibri" panose="020F0502020204030204" pitchFamily="34" charset="0"/>
                 <a:cs typeface="Calibri" panose="020F0502020204030204" pitchFamily="34" charset="0"/>
               </a:rPr>
-              <a:t>Per un esempio concreto di utilizzo, abbiamo inserito l’apk versione demo, dell’applicazione KEY-KNOWNLEDGE, nella repository di Github.</a:t>
-            </a:r>
-          </a:p>
-          <a:p>
-            <a:pPr marL="0" indent="0">
-              <a:buNone/>
-            </a:pPr>
+              <a:t>Per un esempio concreto di utilizzo, abbiamo inserito l’apk versione demo, dell’applicazione KEY-KNOWNLEDGE, nella repository di </a:t>
+            </a:r>
+            <a:r>
+              <a:rPr lang="it-IT" dirty="0" err="1">
+                <a:latin typeface="Calibri" panose="020F0502020204030204" pitchFamily="34" charset="0"/>
+                <a:cs typeface="Calibri" panose="020F0502020204030204" pitchFamily="34" charset="0"/>
+              </a:rPr>
+              <a:t>Github</a:t>
+            </a:r>
             <a:r>
               <a:rPr lang="it-IT" dirty="0">
                 <a:latin typeface="Calibri" panose="020F0502020204030204" pitchFamily="34" charset="0"/>
                 <a:cs typeface="Calibri" panose="020F0502020204030204" pitchFamily="34" charset="0"/>
               </a:rPr>
-              <a:t>    </a:t>
-            </a:r>
+              <a:t>.</a:t>
+            </a:r>
+          </a:p>
+          <a:p>
+            <a:r>
+              <a:rPr lang="it-IT" dirty="0">
+                <a:latin typeface="Calibri" panose="020F0502020204030204" pitchFamily="34" charset="0"/>
+                <a:cs typeface="Calibri" panose="020F0502020204030204" pitchFamily="34" charset="0"/>
+              </a:rPr>
+              <a:t>Account ospiti per provare:</a:t>
+            </a:r>
+          </a:p>
+          <a:p>
+            <a:pPr marL="0" indent="0">
+              <a:buNone/>
+            </a:pPr>
+            <a:r>
+              <a:rPr lang="it-IT" dirty="0">
+                <a:latin typeface="Calibri" panose="020F0502020204030204" pitchFamily="34" charset="0"/>
+                <a:cs typeface="Calibri" panose="020F0502020204030204" pitchFamily="34" charset="0"/>
+              </a:rPr>
+              <a:t>   1: username = Ospite1, password = password;</a:t>
+            </a:r>
+          </a:p>
+          <a:p>
+            <a:pPr marL="0" indent="0">
+              <a:buNone/>
+            </a:pPr>
+            <a:r>
+              <a:rPr lang="it-IT" dirty="0">
+                <a:latin typeface="Calibri" panose="020F0502020204030204" pitchFamily="34" charset="0"/>
+                <a:cs typeface="Calibri" panose="020F0502020204030204" pitchFamily="34" charset="0"/>
+              </a:rPr>
+              <a:t>   2: username = Ospite2, password = password;</a:t>
+            </a:r>
+          </a:p>
+          <a:p>
+            <a:pPr marL="0" indent="0">
+              <a:buNone/>
+            </a:pPr>
+            <a:endParaRPr lang="it-IT" dirty="0">
+              <a:latin typeface="Calibri" panose="020F0502020204030204" pitchFamily="34" charset="0"/>
+              <a:cs typeface="Calibri" panose="020F0502020204030204" pitchFamily="34" charset="0"/>
+            </a:endParaRPr>
+          </a:p>
+          <a:p>
+            <a:pPr marL="0" indent="0">
+              <a:buNone/>
+            </a:pPr>
+            <a:endParaRPr lang="it-IT" dirty="0">
+              <a:latin typeface="Calibri" panose="020F0502020204030204" pitchFamily="34" charset="0"/>
+              <a:cs typeface="Calibri" panose="020F0502020204030204" pitchFamily="34" charset="0"/>
+            </a:endParaRPr>
           </a:p>
           <a:p>
             <a:pPr marL="0" indent="0">
@@ -4977,10 +5226,13 @@
             <a:pPr marL="0" indent="0">
               <a:buNone/>
             </a:pPr>
-            <a:endParaRPr lang="it-IT" dirty="0">
-              <a:latin typeface="Calibri" panose="020F0502020204030204" pitchFamily="34" charset="0"/>
-              <a:cs typeface="Calibri" panose="020F0502020204030204" pitchFamily="34" charset="0"/>
-            </a:endParaRPr>
+            <a:r>
+              <a:rPr lang="it-IT" dirty="0">
+                <a:latin typeface="Calibri" panose="020F0502020204030204" pitchFamily="34" charset="0"/>
+                <a:cs typeface="Calibri" panose="020F0502020204030204" pitchFamily="34" charset="0"/>
+              </a:rPr>
+              <a:t>    </a:t>
+            </a:r>
           </a:p>
         </p:txBody>
       </p:sp>

--- a/FIA/KEY_KNOWNLEDGE.pptx
+++ b/FIA/KEY_KNOWNLEDGE.pptx
@@ -313,7 +313,7 @@
           <a:p>
             <a:fld id="{A8E3BFBD-4D19-4EFF-B8AE-80FB7FB09583}" type="datetimeFigureOut">
               <a:rPr lang="it-IT" smtClean="0"/>
-              <a:t>12/02/2021</a:t>
+              <a:t>17/02/2021</a:t>
             </a:fld>
             <a:endParaRPr lang="it-IT"/>
           </a:p>
@@ -541,7 +541,7 @@
           <a:p>
             <a:fld id="{A8E3BFBD-4D19-4EFF-B8AE-80FB7FB09583}" type="datetimeFigureOut">
               <a:rPr lang="it-IT" smtClean="0"/>
-              <a:t>12/02/2021</a:t>
+              <a:t>17/02/2021</a:t>
             </a:fld>
             <a:endParaRPr lang="it-IT"/>
           </a:p>
@@ -721,7 +721,7 @@
           <a:p>
             <a:fld id="{A8E3BFBD-4D19-4EFF-B8AE-80FB7FB09583}" type="datetimeFigureOut">
               <a:rPr lang="it-IT" smtClean="0"/>
-              <a:t>12/02/2021</a:t>
+              <a:t>17/02/2021</a:t>
             </a:fld>
             <a:endParaRPr lang="it-IT"/>
           </a:p>
@@ -891,7 +891,7 @@
           <a:p>
             <a:fld id="{A8E3BFBD-4D19-4EFF-B8AE-80FB7FB09583}" type="datetimeFigureOut">
               <a:rPr lang="it-IT" smtClean="0"/>
-              <a:t>12/02/2021</a:t>
+              <a:t>17/02/2021</a:t>
             </a:fld>
             <a:endParaRPr lang="it-IT"/>
           </a:p>
@@ -1145,7 +1145,7 @@
           <a:p>
             <a:fld id="{A8E3BFBD-4D19-4EFF-B8AE-80FB7FB09583}" type="datetimeFigureOut">
               <a:rPr lang="it-IT" smtClean="0"/>
-              <a:t>12/02/2021</a:t>
+              <a:t>17/02/2021</a:t>
             </a:fld>
             <a:endParaRPr lang="it-IT"/>
           </a:p>
@@ -1471,7 +1471,7 @@
           <a:p>
             <a:fld id="{A8E3BFBD-4D19-4EFF-B8AE-80FB7FB09583}" type="datetimeFigureOut">
               <a:rPr lang="it-IT" smtClean="0"/>
-              <a:t>12/02/2021</a:t>
+              <a:t>17/02/2021</a:t>
             </a:fld>
             <a:endParaRPr lang="it-IT"/>
           </a:p>
@@ -1922,7 +1922,7 @@
           <a:p>
             <a:fld id="{A8E3BFBD-4D19-4EFF-B8AE-80FB7FB09583}" type="datetimeFigureOut">
               <a:rPr lang="it-IT" smtClean="0"/>
-              <a:t>12/02/2021</a:t>
+              <a:t>17/02/2021</a:t>
             </a:fld>
             <a:endParaRPr lang="it-IT"/>
           </a:p>
@@ -2040,7 +2040,7 @@
           <a:p>
             <a:fld id="{A8E3BFBD-4D19-4EFF-B8AE-80FB7FB09583}" type="datetimeFigureOut">
               <a:rPr lang="it-IT" smtClean="0"/>
-              <a:t>12/02/2021</a:t>
+              <a:t>17/02/2021</a:t>
             </a:fld>
             <a:endParaRPr lang="it-IT"/>
           </a:p>
@@ -2135,7 +2135,7 @@
           <a:p>
             <a:fld id="{A8E3BFBD-4D19-4EFF-B8AE-80FB7FB09583}" type="datetimeFigureOut">
               <a:rPr lang="it-IT" smtClean="0"/>
-              <a:t>12/02/2021</a:t>
+              <a:t>17/02/2021</a:t>
             </a:fld>
             <a:endParaRPr lang="it-IT"/>
           </a:p>
@@ -2422,7 +2422,7 @@
           <a:p>
             <a:fld id="{A8E3BFBD-4D19-4EFF-B8AE-80FB7FB09583}" type="datetimeFigureOut">
               <a:rPr lang="it-IT" smtClean="0"/>
-              <a:t>12/02/2021</a:t>
+              <a:t>17/02/2021</a:t>
             </a:fld>
             <a:endParaRPr lang="it-IT"/>
           </a:p>
@@ -2744,7 +2744,7 @@
           <a:p>
             <a:fld id="{A8E3BFBD-4D19-4EFF-B8AE-80FB7FB09583}" type="datetimeFigureOut">
               <a:rPr lang="it-IT" smtClean="0"/>
-              <a:t>12/02/2021</a:t>
+              <a:t>17/02/2021</a:t>
             </a:fld>
             <a:endParaRPr lang="it-IT"/>
           </a:p>
@@ -2998,7 +2998,7 @@
           <a:p>
             <a:fld id="{A8E3BFBD-4D19-4EFF-B8AE-80FB7FB09583}" type="datetimeFigureOut">
               <a:rPr lang="it-IT" smtClean="0"/>
-              <a:t>12/02/2021</a:t>
+              <a:t>17/02/2021</a:t>
             </a:fld>
             <a:endParaRPr lang="it-IT"/>
           </a:p>
@@ -4615,7 +4615,7 @@
                 <a:latin typeface="Calibri" panose="020F0502020204030204" pitchFamily="34" charset="0"/>
                 <a:cs typeface="Calibri" panose="020F0502020204030204" pitchFamily="34" charset="0"/>
               </a:rPr>
-              <a:t>Inoltre, la complessità temporale è lineare</a:t>
+              <a:t>Inoltre, la complessità è lineare</a:t>
             </a:r>
           </a:p>
           <a:p>
